--- a/6сем/ПП/ПП Кулешов БЭИ2202.pptx
+++ b/6сем/ПП/ПП Кулешов БЭИ2202.pptx
@@ -110,6 +110,11 @@
       </a:defRPr>
     </a:lvl9pPr>
   </p:defaultTextStyle>
+  <p:extLst>
+    <p:ext uri="{EFAFB233-063F-42B5-8137-9DF3F51BA10A}">
+      <p15:sldGuideLst xmlns:p15="http://schemas.microsoft.com/office/powerpoint/2012/main"/>
+    </p:ext>
+  </p:extLst>
 </p:presentation>
 </file>
 
@@ -302,7 +307,7 @@
             <a:fld id="{B61BEF0D-F0BB-DE4B-95CE-6DB70DBA9567}" type="datetimeFigureOut">
               <a:rPr lang="en-US" dirty="0"/>
               <a:pPr/>
-              <a:t>4/29/2025</a:t>
+              <a:t>5/15/2025</a:t>
             </a:fld>
             <a:endParaRPr lang="en-US" dirty="0"/>
           </a:p>
@@ -637,7 +642,7 @@
             <a:fld id="{B61BEF0D-F0BB-DE4B-95CE-6DB70DBA9567}" type="datetimeFigureOut">
               <a:rPr lang="en-US" dirty="0"/>
               <a:pPr/>
-              <a:t>4/29/2025</a:t>
+              <a:t>5/15/2025</a:t>
             </a:fld>
             <a:endParaRPr lang="en-US" dirty="0"/>
           </a:p>
@@ -1035,7 +1040,7 @@
             <a:fld id="{B61BEF0D-F0BB-DE4B-95CE-6DB70DBA9567}" type="datetimeFigureOut">
               <a:rPr lang="en-US" dirty="0"/>
               <a:pPr/>
-              <a:t>4/29/2025</a:t>
+              <a:t>5/15/2025</a:t>
             </a:fld>
             <a:endParaRPr lang="en-US" dirty="0"/>
           </a:p>
@@ -1368,7 +1373,7 @@
             <a:fld id="{B61BEF0D-F0BB-DE4B-95CE-6DB70DBA9567}" type="datetimeFigureOut">
               <a:rPr lang="en-US" dirty="0"/>
               <a:pPr/>
-              <a:t>4/29/2025</a:t>
+              <a:t>5/15/2025</a:t>
             </a:fld>
             <a:endParaRPr lang="en-US" dirty="0"/>
           </a:p>
@@ -1685,7 +1690,7 @@
             <a:fld id="{B61BEF0D-F0BB-DE4B-95CE-6DB70DBA9567}" type="datetimeFigureOut">
               <a:rPr lang="en-US" dirty="0"/>
               <a:pPr/>
-              <a:t>4/29/2025</a:t>
+              <a:t>5/15/2025</a:t>
             </a:fld>
             <a:endParaRPr lang="en-US" dirty="0"/>
           </a:p>
@@ -2078,7 +2083,7 @@
             <a:fld id="{B61BEF0D-F0BB-DE4B-95CE-6DB70DBA9567}" type="datetimeFigureOut">
               <a:rPr lang="en-US" dirty="0"/>
               <a:pPr/>
-              <a:t>4/29/2025</a:t>
+              <a:t>5/15/2025</a:t>
             </a:fld>
             <a:endParaRPr lang="en-US" dirty="0"/>
           </a:p>
@@ -2332,7 +2337,7 @@
             <a:fld id="{B61BEF0D-F0BB-DE4B-95CE-6DB70DBA9567}" type="datetimeFigureOut">
               <a:rPr lang="en-US" dirty="0"/>
               <a:pPr/>
-              <a:t>4/29/2025</a:t>
+              <a:t>5/15/2025</a:t>
             </a:fld>
             <a:endParaRPr lang="en-US" dirty="0"/>
           </a:p>
@@ -2591,7 +2596,7 @@
             <a:fld id="{B61BEF0D-F0BB-DE4B-95CE-6DB70DBA9567}" type="datetimeFigureOut">
               <a:rPr lang="en-US" dirty="0"/>
               <a:pPr/>
-              <a:t>4/29/2025</a:t>
+              <a:t>5/15/2025</a:t>
             </a:fld>
             <a:endParaRPr lang="en-US" dirty="0"/>
           </a:p>
@@ -2850,7 +2855,7 @@
             <a:fld id="{B61BEF0D-F0BB-DE4B-95CE-6DB70DBA9567}" type="datetimeFigureOut">
               <a:rPr lang="en-US" dirty="0"/>
               <a:pPr/>
-              <a:t>4/29/2025</a:t>
+              <a:t>5/15/2025</a:t>
             </a:fld>
             <a:endParaRPr lang="en-US" dirty="0"/>
           </a:p>
@@ -3176,7 +3181,7 @@
             <a:fld id="{B61BEF0D-F0BB-DE4B-95CE-6DB70DBA9567}" type="datetimeFigureOut">
               <a:rPr lang="en-US" dirty="0"/>
               <a:pPr/>
-              <a:t>4/29/2025</a:t>
+              <a:t>5/15/2025</a:t>
             </a:fld>
             <a:endParaRPr lang="en-US" dirty="0"/>
           </a:p>
@@ -3496,7 +3501,7 @@
             <a:fld id="{B61BEF0D-F0BB-DE4B-95CE-6DB70DBA9567}" type="datetimeFigureOut">
               <a:rPr lang="en-US" dirty="0"/>
               <a:pPr/>
-              <a:t>4/29/2025</a:t>
+              <a:t>5/15/2025</a:t>
             </a:fld>
             <a:endParaRPr lang="en-US" dirty="0"/>
           </a:p>
@@ -3950,7 +3955,7 @@
             <a:fld id="{B61BEF0D-F0BB-DE4B-95CE-6DB70DBA9567}" type="datetimeFigureOut">
               <a:rPr lang="en-US" dirty="0"/>
               <a:pPr/>
-              <a:t>4/29/2025</a:t>
+              <a:t>5/15/2025</a:t>
             </a:fld>
             <a:endParaRPr lang="en-US" dirty="0"/>
           </a:p>
@@ -4152,7 +4157,7 @@
             <a:fld id="{B61BEF0D-F0BB-DE4B-95CE-6DB70DBA9567}" type="datetimeFigureOut">
               <a:rPr lang="en-US" dirty="0"/>
               <a:pPr/>
-              <a:t>4/29/2025</a:t>
+              <a:t>5/15/2025</a:t>
             </a:fld>
             <a:endParaRPr lang="en-US" dirty="0"/>
           </a:p>
@@ -4326,7 +4331,7 @@
             <a:fld id="{B61BEF0D-F0BB-DE4B-95CE-6DB70DBA9567}" type="datetimeFigureOut">
               <a:rPr lang="en-US" dirty="0"/>
               <a:pPr/>
-              <a:t>4/29/2025</a:t>
+              <a:t>5/15/2025</a:t>
             </a:fld>
             <a:endParaRPr lang="en-US" dirty="0"/>
           </a:p>
@@ -4656,7 +4661,7 @@
             <a:fld id="{B61BEF0D-F0BB-DE4B-95CE-6DB70DBA9567}" type="datetimeFigureOut">
               <a:rPr lang="en-US" dirty="0"/>
               <a:pPr/>
-              <a:t>4/29/2025</a:t>
+              <a:t>5/15/2025</a:t>
             </a:fld>
             <a:endParaRPr lang="en-US" dirty="0"/>
           </a:p>
@@ -4998,7 +5003,7 @@
             <a:fld id="{B61BEF0D-F0BB-DE4B-95CE-6DB70DBA9567}" type="datetimeFigureOut">
               <a:rPr lang="en-US" dirty="0"/>
               <a:pPr/>
-              <a:t>4/29/2025</a:t>
+              <a:t>5/15/2025</a:t>
             </a:fld>
             <a:endParaRPr lang="en-US" dirty="0"/>
           </a:p>
@@ -7112,7 +7117,7 @@
             <a:fld id="{B61BEF0D-F0BB-DE4B-95CE-6DB70DBA9567}" type="datetimeFigureOut">
               <a:rPr lang="en-US" dirty="0"/>
               <a:pPr/>
-              <a:t>4/29/2025</a:t>
+              <a:t>5/15/2025</a:t>
             </a:fld>
             <a:endParaRPr lang="en-US" dirty="0"/>
           </a:p>
@@ -7782,11 +7787,23 @@
           <a:p>
             <a:r>
               <a:rPr lang="ru-RU" dirty="0" smtClean="0"/>
-              <a:t>Цель проекта: </a:t>
+              <a:t>Цель </a:t>
+            </a:r>
+            <a:r>
+              <a:rPr lang="ru-RU" dirty="0" smtClean="0"/>
+              <a:t>проекта:</a:t>
+            </a:r>
+            <a:r>
+              <a:rPr lang="en-US" smtClean="0"/>
+              <a:t> </a:t>
+            </a:r>
+            <a:r>
+              <a:rPr lang="ru-RU" smtClean="0"/>
+              <a:t>Анализ </a:t>
             </a:r>
             <a:r>
               <a:rPr lang="ru-RU" dirty="0"/>
-              <a:t>Разработка приложения для симуляции поведения автомобильного движения в умном городе. Анализ улучшения качеств автомобильного движения при смене светофоров на «умные»</a:t>
+              <a:t>улучшения качеств автомобильного движения при смене светофоров на «умные»</a:t>
             </a:r>
           </a:p>
           <a:p>
@@ -8148,11 +8165,7 @@
                       </a:r>
                       <a:r>
                         <a:rPr lang="ru-RU" baseline="0" dirty="0" smtClean="0"/>
-                        <a:t> интерфейс для начинающего пользователя. </a:t>
-                      </a:r>
-                      <a:r>
-                        <a:rPr lang="ru-RU" baseline="0" dirty="0" smtClean="0"/>
-                        <a:t>Сложность при расширении приложения</a:t>
+                        <a:t> интерфейс для начинающего пользователя. Сложность при расширении приложения</a:t>
                       </a:r>
                       <a:endParaRPr lang="ru-RU" dirty="0"/>
                     </a:p>
@@ -8170,11 +8183,7 @@
                       </a:r>
                       <a:r>
                         <a:rPr lang="ru-RU" baseline="0" dirty="0" smtClean="0"/>
-                        <a:t> дополнительных внешних данных для точной </a:t>
-                      </a:r>
-                      <a:r>
-                        <a:rPr lang="ru-RU" baseline="0" dirty="0" smtClean="0"/>
-                        <a:t>симуляции. Отсутствует возможность последующей модификации</a:t>
+                        <a:t> дополнительных внешних данных для точной симуляции. Отсутствует возможность последующей модификации</a:t>
                       </a:r>
                       <a:endParaRPr lang="ru-RU" dirty="0"/>
                     </a:p>
@@ -8748,7 +8757,7 @@
       </p:sp>
       <p:pic>
         <p:nvPicPr>
-          <p:cNvPr id="4" name="Рисунок 3"/>
+          <p:cNvPr id="5" name="Рисунок 4"/>
           <p:cNvPicPr>
             <a:picLocks noChangeAspect="1"/>
           </p:cNvPicPr>
@@ -8762,8 +8771,8 @@
         </p:blipFill>
         <p:spPr>
           <a:xfrm>
-            <a:off x="6681559" y="2244639"/>
-            <a:ext cx="5106113" cy="4296375"/>
+            <a:off x="6807035" y="2109753"/>
+            <a:ext cx="4890694" cy="3801469"/>
           </a:xfrm>
           <a:prstGeom prst="rect">
             <a:avLst/>
